--- a/Documentation/Exam/Deminder-2.pptx
+++ b/Documentation/Exam/Deminder-2.pptx
@@ -26,9 +26,9 @@
     <p:sldId id="272" r:id="rId20"/>
     <p:sldId id="273" r:id="rId21"/>
     <p:sldId id="278" r:id="rId22"/>
-    <p:sldId id="279" r:id="rId23"/>
-    <p:sldId id="280" r:id="rId24"/>
-    <p:sldId id="274" r:id="rId25"/>
+    <p:sldId id="274" r:id="rId23"/>
+    <p:sldId id="279" r:id="rId24"/>
+    <p:sldId id="280" r:id="rId25"/>
     <p:sldId id="281" r:id="rId26"/>
     <p:sldId id="282" r:id="rId27"/>
     <p:sldId id="283" r:id="rId28"/>
@@ -142,8 +142,8 @@
 <file path=ppt/revisionInfo.xml><?xml version="1.0" encoding="utf-8"?>
 <p1510:revInfo xmlns:a="http://schemas.openxmlformats.org/drawingml/2006/main" xmlns:r="http://schemas.openxmlformats.org/officeDocument/2006/relationships" xmlns:p1510="http://schemas.microsoft.com/office/powerpoint/2015/10/main">
   <p1510:revLst>
+    <p1510:client id="{74E3445A-F0E7-45A5-98AF-2FA190ABF3E7}" v="347" dt="2019-06-12T09:23:10.551"/>
     <p1510:client id="{1FBE4B53-A1B3-43E6-ABCE-A30FCC17ACB5}" v="243" dt="2019-06-12T09:08:26.525"/>
-    <p1510:client id="{74E3445A-F0E7-45A5-98AF-2FA190ABF3E7}" v="347" dt="2019-06-12T09:23:10.551"/>
     <p1510:client id="{820BC045-3221-43D6-9EE8-B97077C9B68E}" v="504" dt="2019-06-12T09:09:58.232"/>
   </p1510:revLst>
 </p1510:revInfo>
@@ -9780,6 +9780,347 @@
       </p:grpSpPr>
       <p:sp>
         <p:nvSpPr>
+          <p:cNvPr id="169" name="CustomShape 1"/>
+          <p:cNvSpPr/>
+          <p:nvPr/>
+        </p:nvSpPr>
+        <p:spPr>
+          <a:xfrm>
+            <a:off x="609480" y="609480"/>
+            <a:ext cx="6347160" cy="1320120"/>
+          </a:xfrm>
+          <a:prstGeom prst="rect">
+            <a:avLst/>
+          </a:prstGeom>
+          <a:noFill/>
+          <a:ln>
+            <a:noFill/>
+          </a:ln>
+        </p:spPr>
+        <p:style>
+          <a:lnRef idx="0">
+            <a:scrgbClr r="0" g="0" b="0"/>
+          </a:lnRef>
+          <a:fillRef idx="0">
+            <a:scrgbClr r="0" g="0" b="0"/>
+          </a:fillRef>
+          <a:effectRef idx="0">
+            <a:scrgbClr r="0" g="0" b="0"/>
+          </a:effectRef>
+          <a:fontRef idx="minor"/>
+        </p:style>
+        <p:txBody>
+          <a:bodyPr lIns="90000" tIns="45000" rIns="90000" bIns="45000"/>
+          <a:lstStyle/>
+          <a:p>
+            <a:pPr>
+              <a:lnSpc>
+                <a:spcPct val="100000"/>
+              </a:lnSpc>
+            </a:pPr>
+            <a:r>
+              <a:rPr lang="de-DE" sz="3600" b="0" strike="noStrike" spc="-1">
+                <a:solidFill>
+                  <a:srgbClr val="D34817"/>
+                </a:solidFill>
+                <a:latin typeface="Trebuchet MS"/>
+              </a:rPr>
+              <a:t>Testing</a:t>
+            </a:r>
+            <a:endParaRPr lang="de-DE" sz="3600" b="0" strike="noStrike" spc="-1">
+              <a:latin typeface="Arial"/>
+            </a:endParaRPr>
+          </a:p>
+        </p:txBody>
+      </p:sp>
+      <p:sp>
+        <p:nvSpPr>
+          <p:cNvPr id="170" name="CustomShape 2"/>
+          <p:cNvSpPr/>
+          <p:nvPr/>
+        </p:nvSpPr>
+        <p:spPr>
+          <a:xfrm>
+            <a:off x="609480" y="1929600"/>
+            <a:ext cx="6347160" cy="3880080"/>
+          </a:xfrm>
+          <a:prstGeom prst="rect">
+            <a:avLst/>
+          </a:prstGeom>
+          <a:noFill/>
+          <a:ln>
+            <a:noFill/>
+          </a:ln>
+        </p:spPr>
+        <p:style>
+          <a:lnRef idx="0">
+            <a:scrgbClr r="0" g="0" b="0"/>
+          </a:lnRef>
+          <a:fillRef idx="0">
+            <a:scrgbClr r="0" g="0" b="0"/>
+          </a:fillRef>
+          <a:effectRef idx="0">
+            <a:scrgbClr r="0" g="0" b="0"/>
+          </a:effectRef>
+          <a:fontRef idx="minor"/>
+        </p:style>
+        <p:txBody>
+          <a:bodyPr lIns="90000" tIns="45000" rIns="90000" bIns="45000"/>
+          <a:lstStyle/>
+          <a:p>
+            <a:pPr marL="343080" indent="-342360">
+              <a:lnSpc>
+                <a:spcPct val="100000"/>
+              </a:lnSpc>
+              <a:spcBef>
+                <a:spcPts val="1001"/>
+              </a:spcBef>
+              <a:buClr>
+                <a:srgbClr val="D34817"/>
+              </a:buClr>
+              <a:buSzPct val="80000"/>
+              <a:buFont typeface="Wingdings 3" charset="2"/>
+              <a:buChar char=""/>
+            </a:pPr>
+            <a:r>
+              <a:rPr lang="de-DE" sz="1800" b="0" strike="noStrike" spc="-1" dirty="0">
+                <a:solidFill>
+                  <a:srgbClr val="404040"/>
+                </a:solidFill>
+                <a:latin typeface="Trebuchet MS"/>
+              </a:rPr>
+              <a:t>Feature </a:t>
+            </a:r>
+            <a:r>
+              <a:rPr lang="de-DE" sz="1800" b="0" strike="noStrike" spc="-1">
+                <a:solidFill>
+                  <a:srgbClr val="404040"/>
+                </a:solidFill>
+                <a:latin typeface="Trebuchet MS"/>
+              </a:rPr>
+              <a:t>test</a:t>
+            </a:r>
+            <a:r>
+              <a:rPr lang="de-DE" sz="1800" b="0" strike="noStrike" spc="-1" dirty="0">
+                <a:solidFill>
+                  <a:srgbClr val="404040"/>
+                </a:solidFill>
+                <a:latin typeface="Trebuchet MS"/>
+              </a:rPr>
+              <a:t> </a:t>
+            </a:r>
+            <a:r>
+              <a:rPr lang="de-DE" sz="1800" b="0" strike="noStrike" spc="-1">
+                <a:solidFill>
+                  <a:srgbClr val="404040"/>
+                </a:solidFill>
+                <a:latin typeface="Trebuchet MS"/>
+              </a:rPr>
+              <a:t>with</a:t>
+            </a:r>
+            <a:r>
+              <a:rPr lang="de-DE" sz="1800" b="0" strike="noStrike" spc="-1" dirty="0">
+                <a:solidFill>
+                  <a:srgbClr val="404040"/>
+                </a:solidFill>
+                <a:latin typeface="Trebuchet MS"/>
+              </a:rPr>
+              <a:t> Espresso Framework</a:t>
+            </a:r>
+            <a:endParaRPr lang="de-DE" sz="1800" b="0" strike="noStrike" spc="-1" dirty="0">
+              <a:latin typeface="Arial"/>
+            </a:endParaRPr>
+          </a:p>
+          <a:p>
+            <a:pPr>
+              <a:lnSpc>
+                <a:spcPct val="100000"/>
+              </a:lnSpc>
+              <a:spcBef>
+                <a:spcPts val="1001"/>
+              </a:spcBef>
+            </a:pPr>
+            <a:endParaRPr lang="de-DE" sz="1800" b="0" strike="noStrike" spc="-1" dirty="0">
+              <a:latin typeface="Arial"/>
+            </a:endParaRPr>
+          </a:p>
+        </p:txBody>
+      </p:sp>
+      <p:sp>
+        <p:nvSpPr>
+          <p:cNvPr id="171" name="CustomShape 3"/>
+          <p:cNvSpPr/>
+          <p:nvPr/>
+        </p:nvSpPr>
+        <p:spPr>
+          <a:xfrm>
+            <a:off x="514080" y="6481440"/>
+            <a:ext cx="6347160" cy="364320"/>
+          </a:xfrm>
+          <a:prstGeom prst="rect">
+            <a:avLst/>
+          </a:prstGeom>
+          <a:noFill/>
+          <a:ln>
+            <a:noFill/>
+          </a:ln>
+        </p:spPr>
+        <p:style>
+          <a:lnRef idx="0">
+            <a:scrgbClr r="0" g="0" b="0"/>
+          </a:lnRef>
+          <a:fillRef idx="0">
+            <a:scrgbClr r="0" g="0" b="0"/>
+          </a:fillRef>
+          <a:effectRef idx="0">
+            <a:scrgbClr r="0" g="0" b="0"/>
+          </a:effectRef>
+          <a:fontRef idx="minor"/>
+        </p:style>
+        <p:txBody>
+          <a:bodyPr lIns="90000" tIns="45000" rIns="90000" bIns="45000" anchor="ctr"/>
+          <a:lstStyle/>
+          <a:p>
+            <a:pPr algn="r">
+              <a:lnSpc>
+                <a:spcPct val="100000"/>
+              </a:lnSpc>
+            </a:pPr>
+            <a:r>
+              <a:rPr lang="de-DE" sz="900" b="0" strike="noStrike" spc="-1">
+                <a:solidFill>
+                  <a:srgbClr val="A6A6A6"/>
+                </a:solidFill>
+                <a:latin typeface="Trebuchet MS"/>
+              </a:rPr>
+              <a:t>Thomas Malina – Tillmann Nünninghof – Natalie Busam – Lea Wegner </a:t>
+            </a:r>
+            <a:endParaRPr lang="de-DE" sz="900" b="0" strike="noStrike" spc="-1">
+              <a:latin typeface="Arial"/>
+            </a:endParaRPr>
+          </a:p>
+        </p:txBody>
+      </p:sp>
+      <p:pic>
+        <p:nvPicPr>
+          <p:cNvPr id="172" name="Picture 1">
+            <a:hlinkClick r:id="" action="ppaction://media"/>
+          </p:cNvPr>
+          <p:cNvPicPr/>
+          <p:nvPr>
+            <a:videoFile r:link="rId2"/>
+            <p:extLst>
+              <p:ext uri="{DAA4B4D4-6D71-4841-9C94-3DE7FCFB9230}">
+                <p14:media xmlns:p14="http://schemas.microsoft.com/office/powerpoint/2010/main" r:embed="rId1"/>
+              </p:ext>
+            </p:extLst>
+          </p:nvPr>
+        </p:nvPicPr>
+        <p:blipFill>
+          <a:blip r:embed="rId4"/>
+        </p:blipFill>
+        <p:spPr>
+          <a:xfrm>
+            <a:off x="671760" y="2670840"/>
+            <a:ext cx="5660280" cy="3184920"/>
+          </a:xfrm>
+          <a:prstGeom prst="rect">
+            <a:avLst/>
+          </a:prstGeom>
+          <a:ln>
+            <a:noFill/>
+          </a:ln>
+        </p:spPr>
+      </p:pic>
+    </p:spTree>
+  </p:cSld>
+  <p:clrMapOvr>
+    <a:masterClrMapping/>
+  </p:clrMapOvr>
+  <p:timing>
+    <p:tnLst>
+      <p:par>
+        <p:cTn id="1" dur="indefinite" restart="never" nodeType="tmRoot">
+          <p:childTnLst>
+            <p:seq>
+              <p:cTn id="2" restart="whenNotActive" fill="hold" nodeType="interactiveSeq">
+                <p:childTnLst>
+                  <p:par>
+                    <p:cTn id="3" fill="hold">
+                      <p:childTnLst>
+                        <p:par>
+                          <p:cTn id="4" fill="hold">
+                            <p:stCondLst>
+                              <p:cond delay="0"/>
+                            </p:stCondLst>
+                            <p:childTnLst>
+                              <p:par>
+                                <p:cTn id="5" presetClass="mediacall" fill="hold" nodeType="clickEffect">
+                                  <p:stCondLst>
+                                    <p:cond delay="0"/>
+                                  </p:stCondLst>
+                                  <p:childTnLst>
+                                    <p:cmd type="call" cmd="togglePause">
+                                      <p:cBhvr>
+                                        <p:cTn id="6" dur="1" fill="hold"/>
+                                        <p:tgtEl>
+                                          <p:spTgt spid="172"/>
+                                        </p:tgtEl>
+                                      </p:cBhvr>
+                                    </p:cmd>
+                                  </p:childTnLst>
+                                </p:cTn>
+                              </p:par>
+                            </p:childTnLst>
+                          </p:cTn>
+                        </p:par>
+                      </p:childTnLst>
+                    </p:cTn>
+                  </p:par>
+                </p:childTnLst>
+              </p:cTn>
+              <p:prevCondLst>
+                <p:cond evt="onPrev" delay="0">
+                  <p:tgtEl>
+                    <p:sldTgt/>
+                  </p:tgtEl>
+                </p:cond>
+              </p:prevCondLst>
+              <p:nextCondLst>
+                <p:cond evt="onNext" delay="0">
+                  <p:tgtEl>
+                    <p:sldTgt/>
+                  </p:tgtEl>
+                </p:cond>
+              </p:nextCondLst>
+            </p:seq>
+          </p:childTnLst>
+        </p:cTn>
+      </p:par>
+    </p:tnLst>
+  </p:timing>
+</p:sld>
+</file>
+
+<file path=ppt/slides/slide22.xml><?xml version="1.0" encoding="utf-8"?>
+<p:sld xmlns:a="http://schemas.openxmlformats.org/drawingml/2006/main" xmlns:r="http://schemas.openxmlformats.org/officeDocument/2006/relationships" xmlns:p="http://schemas.openxmlformats.org/presentationml/2006/main">
+  <p:cSld>
+    <p:spTree>
+      <p:nvGrpSpPr>
+        <p:cNvPr id="1" name=""/>
+        <p:cNvGrpSpPr/>
+        <p:nvPr/>
+      </p:nvGrpSpPr>
+      <p:grpSpPr>
+        <a:xfrm>
+          <a:off x="0" y="0"/>
+          <a:ext cx="0" cy="0"/>
+          <a:chOff x="0" y="0"/>
+          <a:chExt cx="0" cy="0"/>
+        </a:xfrm>
+      </p:grpSpPr>
+      <p:sp>
+        <p:nvSpPr>
           <p:cNvPr id="166" name="CustomShape 1"/>
           <p:cNvSpPr/>
           <p:nvPr/>
@@ -10397,7 +10738,7 @@
 </p:sld>
 </file>
 
-<file path=ppt/slides/slide22.xml><?xml version="1.0" encoding="utf-8"?>
+<file path=ppt/slides/slide23.xml><?xml version="1.0" encoding="utf-8"?>
 <p:sld xmlns:a="http://schemas.openxmlformats.org/drawingml/2006/main" xmlns:r="http://schemas.openxmlformats.org/officeDocument/2006/relationships" xmlns:p="http://schemas.openxmlformats.org/presentationml/2006/main">
   <p:cSld>
     <p:spTree>
@@ -10977,347 +11318,6 @@
   <p:clrMapOvr>
     <a:masterClrMapping/>
   </p:clrMapOvr>
-</p:sld>
-</file>
-
-<file path=ppt/slides/slide23.xml><?xml version="1.0" encoding="utf-8"?>
-<p:sld xmlns:a="http://schemas.openxmlformats.org/drawingml/2006/main" xmlns:r="http://schemas.openxmlformats.org/officeDocument/2006/relationships" xmlns:p="http://schemas.openxmlformats.org/presentationml/2006/main">
-  <p:cSld>
-    <p:spTree>
-      <p:nvGrpSpPr>
-        <p:cNvPr id="1" name=""/>
-        <p:cNvGrpSpPr/>
-        <p:nvPr/>
-      </p:nvGrpSpPr>
-      <p:grpSpPr>
-        <a:xfrm>
-          <a:off x="0" y="0"/>
-          <a:ext cx="0" cy="0"/>
-          <a:chOff x="0" y="0"/>
-          <a:chExt cx="0" cy="0"/>
-        </a:xfrm>
-      </p:grpSpPr>
-      <p:sp>
-        <p:nvSpPr>
-          <p:cNvPr id="169" name="CustomShape 1"/>
-          <p:cNvSpPr/>
-          <p:nvPr/>
-        </p:nvSpPr>
-        <p:spPr>
-          <a:xfrm>
-            <a:off x="609480" y="609480"/>
-            <a:ext cx="6347160" cy="1320120"/>
-          </a:xfrm>
-          <a:prstGeom prst="rect">
-            <a:avLst/>
-          </a:prstGeom>
-          <a:noFill/>
-          <a:ln>
-            <a:noFill/>
-          </a:ln>
-        </p:spPr>
-        <p:style>
-          <a:lnRef idx="0">
-            <a:scrgbClr r="0" g="0" b="0"/>
-          </a:lnRef>
-          <a:fillRef idx="0">
-            <a:scrgbClr r="0" g="0" b="0"/>
-          </a:fillRef>
-          <a:effectRef idx="0">
-            <a:scrgbClr r="0" g="0" b="0"/>
-          </a:effectRef>
-          <a:fontRef idx="minor"/>
-        </p:style>
-        <p:txBody>
-          <a:bodyPr lIns="90000" tIns="45000" rIns="90000" bIns="45000"/>
-          <a:lstStyle/>
-          <a:p>
-            <a:pPr>
-              <a:lnSpc>
-                <a:spcPct val="100000"/>
-              </a:lnSpc>
-            </a:pPr>
-            <a:r>
-              <a:rPr lang="de-DE" sz="3600" b="0" strike="noStrike" spc="-1">
-                <a:solidFill>
-                  <a:srgbClr val="D34817"/>
-                </a:solidFill>
-                <a:latin typeface="Trebuchet MS"/>
-              </a:rPr>
-              <a:t>Testing</a:t>
-            </a:r>
-            <a:endParaRPr lang="de-DE" sz="3600" b="0" strike="noStrike" spc="-1">
-              <a:latin typeface="Arial"/>
-            </a:endParaRPr>
-          </a:p>
-        </p:txBody>
-      </p:sp>
-      <p:sp>
-        <p:nvSpPr>
-          <p:cNvPr id="170" name="CustomShape 2"/>
-          <p:cNvSpPr/>
-          <p:nvPr/>
-        </p:nvSpPr>
-        <p:spPr>
-          <a:xfrm>
-            <a:off x="609480" y="1929600"/>
-            <a:ext cx="6347160" cy="3880080"/>
-          </a:xfrm>
-          <a:prstGeom prst="rect">
-            <a:avLst/>
-          </a:prstGeom>
-          <a:noFill/>
-          <a:ln>
-            <a:noFill/>
-          </a:ln>
-        </p:spPr>
-        <p:style>
-          <a:lnRef idx="0">
-            <a:scrgbClr r="0" g="0" b="0"/>
-          </a:lnRef>
-          <a:fillRef idx="0">
-            <a:scrgbClr r="0" g="0" b="0"/>
-          </a:fillRef>
-          <a:effectRef idx="0">
-            <a:scrgbClr r="0" g="0" b="0"/>
-          </a:effectRef>
-          <a:fontRef idx="minor"/>
-        </p:style>
-        <p:txBody>
-          <a:bodyPr lIns="90000" tIns="45000" rIns="90000" bIns="45000"/>
-          <a:lstStyle/>
-          <a:p>
-            <a:pPr marL="343080" indent="-342360">
-              <a:lnSpc>
-                <a:spcPct val="100000"/>
-              </a:lnSpc>
-              <a:spcBef>
-                <a:spcPts val="1001"/>
-              </a:spcBef>
-              <a:buClr>
-                <a:srgbClr val="D34817"/>
-              </a:buClr>
-              <a:buSzPct val="80000"/>
-              <a:buFont typeface="Wingdings 3" charset="2"/>
-              <a:buChar char=""/>
-            </a:pPr>
-            <a:r>
-              <a:rPr lang="de-DE" sz="1800" b="0" strike="noStrike" spc="-1" dirty="0">
-                <a:solidFill>
-                  <a:srgbClr val="404040"/>
-                </a:solidFill>
-                <a:latin typeface="Trebuchet MS"/>
-              </a:rPr>
-              <a:t>Feature </a:t>
-            </a:r>
-            <a:r>
-              <a:rPr lang="de-DE" sz="1800" b="0" strike="noStrike" spc="-1">
-                <a:solidFill>
-                  <a:srgbClr val="404040"/>
-                </a:solidFill>
-                <a:latin typeface="Trebuchet MS"/>
-              </a:rPr>
-              <a:t>test</a:t>
-            </a:r>
-            <a:r>
-              <a:rPr lang="de-DE" sz="1800" b="0" strike="noStrike" spc="-1" dirty="0">
-                <a:solidFill>
-                  <a:srgbClr val="404040"/>
-                </a:solidFill>
-                <a:latin typeface="Trebuchet MS"/>
-              </a:rPr>
-              <a:t> </a:t>
-            </a:r>
-            <a:r>
-              <a:rPr lang="de-DE" sz="1800" b="0" strike="noStrike" spc="-1">
-                <a:solidFill>
-                  <a:srgbClr val="404040"/>
-                </a:solidFill>
-                <a:latin typeface="Trebuchet MS"/>
-              </a:rPr>
-              <a:t>with</a:t>
-            </a:r>
-            <a:r>
-              <a:rPr lang="de-DE" sz="1800" b="0" strike="noStrike" spc="-1" dirty="0">
-                <a:solidFill>
-                  <a:srgbClr val="404040"/>
-                </a:solidFill>
-                <a:latin typeface="Trebuchet MS"/>
-              </a:rPr>
-              <a:t> Espresso Framework</a:t>
-            </a:r>
-            <a:endParaRPr lang="de-DE" sz="1800" b="0" strike="noStrike" spc="-1" dirty="0">
-              <a:latin typeface="Arial"/>
-            </a:endParaRPr>
-          </a:p>
-          <a:p>
-            <a:pPr>
-              <a:lnSpc>
-                <a:spcPct val="100000"/>
-              </a:lnSpc>
-              <a:spcBef>
-                <a:spcPts val="1001"/>
-              </a:spcBef>
-            </a:pPr>
-            <a:endParaRPr lang="de-DE" sz="1800" b="0" strike="noStrike" spc="-1" dirty="0">
-              <a:latin typeface="Arial"/>
-            </a:endParaRPr>
-          </a:p>
-        </p:txBody>
-      </p:sp>
-      <p:sp>
-        <p:nvSpPr>
-          <p:cNvPr id="171" name="CustomShape 3"/>
-          <p:cNvSpPr/>
-          <p:nvPr/>
-        </p:nvSpPr>
-        <p:spPr>
-          <a:xfrm>
-            <a:off x="514080" y="6481440"/>
-            <a:ext cx="6347160" cy="364320"/>
-          </a:xfrm>
-          <a:prstGeom prst="rect">
-            <a:avLst/>
-          </a:prstGeom>
-          <a:noFill/>
-          <a:ln>
-            <a:noFill/>
-          </a:ln>
-        </p:spPr>
-        <p:style>
-          <a:lnRef idx="0">
-            <a:scrgbClr r="0" g="0" b="0"/>
-          </a:lnRef>
-          <a:fillRef idx="0">
-            <a:scrgbClr r="0" g="0" b="0"/>
-          </a:fillRef>
-          <a:effectRef idx="0">
-            <a:scrgbClr r="0" g="0" b="0"/>
-          </a:effectRef>
-          <a:fontRef idx="minor"/>
-        </p:style>
-        <p:txBody>
-          <a:bodyPr lIns="90000" tIns="45000" rIns="90000" bIns="45000" anchor="ctr"/>
-          <a:lstStyle/>
-          <a:p>
-            <a:pPr algn="r">
-              <a:lnSpc>
-                <a:spcPct val="100000"/>
-              </a:lnSpc>
-            </a:pPr>
-            <a:r>
-              <a:rPr lang="de-DE" sz="900" b="0" strike="noStrike" spc="-1">
-                <a:solidFill>
-                  <a:srgbClr val="A6A6A6"/>
-                </a:solidFill>
-                <a:latin typeface="Trebuchet MS"/>
-              </a:rPr>
-              <a:t>Thomas Malina – Tillmann Nünninghof – Natalie Busam – Lea Wegner </a:t>
-            </a:r>
-            <a:endParaRPr lang="de-DE" sz="900" b="0" strike="noStrike" spc="-1">
-              <a:latin typeface="Arial"/>
-            </a:endParaRPr>
-          </a:p>
-        </p:txBody>
-      </p:sp>
-      <p:pic>
-        <p:nvPicPr>
-          <p:cNvPr id="172" name="Picture 1">
-            <a:hlinkClick r:id="" action="ppaction://media"/>
-          </p:cNvPr>
-          <p:cNvPicPr/>
-          <p:nvPr>
-            <a:videoFile r:link="rId2"/>
-            <p:extLst>
-              <p:ext uri="{DAA4B4D4-6D71-4841-9C94-3DE7FCFB9230}">
-                <p14:media xmlns:p14="http://schemas.microsoft.com/office/powerpoint/2010/main" r:embed="rId1"/>
-              </p:ext>
-            </p:extLst>
-          </p:nvPr>
-        </p:nvPicPr>
-        <p:blipFill>
-          <a:blip r:embed="rId4"/>
-        </p:blipFill>
-        <p:spPr>
-          <a:xfrm>
-            <a:off x="671760" y="2670840"/>
-            <a:ext cx="5660280" cy="3184920"/>
-          </a:xfrm>
-          <a:prstGeom prst="rect">
-            <a:avLst/>
-          </a:prstGeom>
-          <a:ln>
-            <a:noFill/>
-          </a:ln>
-        </p:spPr>
-      </p:pic>
-    </p:spTree>
-  </p:cSld>
-  <p:clrMapOvr>
-    <a:masterClrMapping/>
-  </p:clrMapOvr>
-  <p:timing>
-    <p:tnLst>
-      <p:par>
-        <p:cTn id="1" dur="indefinite" restart="never" nodeType="tmRoot">
-          <p:childTnLst>
-            <p:seq>
-              <p:cTn id="2" restart="whenNotActive" fill="hold" nodeType="interactiveSeq">
-                <p:childTnLst>
-                  <p:par>
-                    <p:cTn id="3" fill="hold">
-                      <p:childTnLst>
-                        <p:par>
-                          <p:cTn id="4" fill="hold">
-                            <p:stCondLst>
-                              <p:cond delay="0"/>
-                            </p:stCondLst>
-                            <p:childTnLst>
-                              <p:par>
-                                <p:cTn id="5" presetClass="mediacall" fill="hold" nodeType="clickEffect">
-                                  <p:stCondLst>
-                                    <p:cond delay="0"/>
-                                  </p:stCondLst>
-                                  <p:childTnLst>
-                                    <p:cmd type="call" cmd="togglePause">
-                                      <p:cBhvr>
-                                        <p:cTn id="6" dur="1" fill="hold"/>
-                                        <p:tgtEl>
-                                          <p:spTgt spid="172"/>
-                                        </p:tgtEl>
-                                      </p:cBhvr>
-                                    </p:cmd>
-                                  </p:childTnLst>
-                                </p:cTn>
-                              </p:par>
-                            </p:childTnLst>
-                          </p:cTn>
-                        </p:par>
-                      </p:childTnLst>
-                    </p:cTn>
-                  </p:par>
-                </p:childTnLst>
-              </p:cTn>
-              <p:prevCondLst>
-                <p:cond evt="onPrev" delay="0">
-                  <p:tgtEl>
-                    <p:sldTgt/>
-                  </p:tgtEl>
-                </p:cond>
-              </p:prevCondLst>
-              <p:nextCondLst>
-                <p:cond evt="onNext" delay="0">
-                  <p:tgtEl>
-                    <p:sldTgt/>
-                  </p:tgtEl>
-                </p:cond>
-              </p:nextCondLst>
-            </p:seq>
-          </p:childTnLst>
-        </p:cTn>
-      </p:par>
-    </p:tnLst>
-  </p:timing>
 </p:sld>
 </file>
 

--- a/Documentation/Exam/Deminder-2.pptx
+++ b/Documentation/Exam/Deminder-2.pptx
@@ -142,8 +142,8 @@
 <file path=ppt/revisionInfo.xml><?xml version="1.0" encoding="utf-8"?>
 <p1510:revInfo xmlns:a="http://schemas.openxmlformats.org/drawingml/2006/main" xmlns:r="http://schemas.openxmlformats.org/officeDocument/2006/relationships" xmlns:p1510="http://schemas.microsoft.com/office/powerpoint/2015/10/main">
   <p1510:revLst>
+    <p1510:client id="{1FBE4B53-A1B3-43E6-ABCE-A30FCC17ACB5}" v="243" dt="2019-06-12T09:08:26.525"/>
     <p1510:client id="{74E3445A-F0E7-45A5-98AF-2FA190ABF3E7}" v="347" dt="2019-06-12T09:23:10.551"/>
-    <p1510:client id="{1FBE4B53-A1B3-43E6-ABCE-A30FCC17ACB5}" v="243" dt="2019-06-12T09:08:26.525"/>
     <p1510:client id="{820BC045-3221-43D6-9EE8-B97077C9B68E}" v="504" dt="2019-06-12T09:09:58.232"/>
   </p1510:revLst>
 </p1510:revInfo>
